--- a/ppt 16-9/1080.走向光明.pptx
+++ b/ppt 16-9/1080.走向光明.pptx
@@ -5,7 +5,7 @@
     <p:sldMasterId id="2147483648" r:id="rId1"/>
   </p:sldMasterIdLst>
   <p:sldIdLst>
-    <p:sldId id="534" r:id="rId2"/>
+    <p:sldId id="535" r:id="rId2"/>
   </p:sldIdLst>
   <p:sldSz cx="12192000" cy="6858000"/>
   <p:notesSz cx="6858000" cy="9144000"/>
@@ -129,7 +129,7 @@
           <p:cNvPr id="2" name="标题 1">
             <a:extLst>
               <a:ext uri="{FF2B5EF4-FFF2-40B4-BE49-F238E27FC236}">
-                <a16:creationId xmlns:a16="http://schemas.microsoft.com/office/drawing/2014/main" id="{0565E98E-8950-3E74-DE36-F24AC0AB43FC}"/>
+                <a16:creationId xmlns:a16="http://schemas.microsoft.com/office/drawing/2014/main" id="{5D01EC34-CF83-8202-3479-4D0C815C8E49}"/>
               </a:ext>
             </a:extLst>
           </p:cNvPr>
@@ -166,7 +166,7 @@
           <p:cNvPr id="3" name="副标题 2">
             <a:extLst>
               <a:ext uri="{FF2B5EF4-FFF2-40B4-BE49-F238E27FC236}">
-                <a16:creationId xmlns:a16="http://schemas.microsoft.com/office/drawing/2014/main" id="{58C3FDC2-603D-1DFB-ACC7-AA71D1C6553E}"/>
+                <a16:creationId xmlns:a16="http://schemas.microsoft.com/office/drawing/2014/main" id="{E53D249E-1C59-BBC9-741A-85CBF44BFA62}"/>
               </a:ext>
             </a:extLst>
           </p:cNvPr>
@@ -236,7 +236,7 @@
           <p:cNvPr id="4" name="日期占位符 3">
             <a:extLst>
               <a:ext uri="{FF2B5EF4-FFF2-40B4-BE49-F238E27FC236}">
-                <a16:creationId xmlns:a16="http://schemas.microsoft.com/office/drawing/2014/main" id="{41B43E60-E026-0BC4-3E26-EB1521D36D23}"/>
+                <a16:creationId xmlns:a16="http://schemas.microsoft.com/office/drawing/2014/main" id="{8A49EB2A-6AB7-E7F8-06AF-3ABFEB7391D0}"/>
               </a:ext>
             </a:extLst>
           </p:cNvPr>
@@ -252,7 +252,7 @@
           <a:bodyPr/>
           <a:lstStyle/>
           <a:p>
-            <a:fld id="{41B5A961-90B7-4E3A-A595-9E77CB81F49C}" type="datetimeFigureOut">
+            <a:fld id="{B3B5558C-F3A0-4F34-8AFD-CC8038247407}" type="datetimeFigureOut">
               <a:rPr lang="zh-CN" altLang="en-US" smtClean="0"/>
               <a:t>2024/3/10</a:t>
             </a:fld>
@@ -265,7 +265,7 @@
           <p:cNvPr id="5" name="页脚占位符 4">
             <a:extLst>
               <a:ext uri="{FF2B5EF4-FFF2-40B4-BE49-F238E27FC236}">
-                <a16:creationId xmlns:a16="http://schemas.microsoft.com/office/drawing/2014/main" id="{AE6A3BF5-D3E3-09D4-5147-3EF9D7765108}"/>
+                <a16:creationId xmlns:a16="http://schemas.microsoft.com/office/drawing/2014/main" id="{6BE31CE1-B930-122B-4BD9-054B15195CD1}"/>
               </a:ext>
             </a:extLst>
           </p:cNvPr>
@@ -290,7 +290,7 @@
           <p:cNvPr id="6" name="灯片编号占位符 5">
             <a:extLst>
               <a:ext uri="{FF2B5EF4-FFF2-40B4-BE49-F238E27FC236}">
-                <a16:creationId xmlns:a16="http://schemas.microsoft.com/office/drawing/2014/main" id="{D96C382B-133B-D932-E96D-D8129A2A597B}"/>
+                <a16:creationId xmlns:a16="http://schemas.microsoft.com/office/drawing/2014/main" id="{A8F3720B-9D77-7C3C-BC70-04918C5E0B0F}"/>
               </a:ext>
             </a:extLst>
           </p:cNvPr>
@@ -306,7 +306,7 @@
           <a:bodyPr/>
           <a:lstStyle/>
           <a:p>
-            <a:fld id="{0AC92005-1782-4E82-BEB9-6F7CFED62AFB}" type="slidenum">
+            <a:fld id="{CFADE802-3762-4A16-B056-6E53B8C58B5B}" type="slidenum">
               <a:rPr lang="zh-CN" altLang="en-US" smtClean="0"/>
               <a:t>‹#›</a:t>
             </a:fld>
@@ -317,7 +317,7 @@
     </p:spTree>
     <p:extLst>
       <p:ext uri="{BB962C8B-B14F-4D97-AF65-F5344CB8AC3E}">
-        <p14:creationId xmlns:p14="http://schemas.microsoft.com/office/powerpoint/2010/main" val="960639942"/>
+        <p14:creationId xmlns:p14="http://schemas.microsoft.com/office/powerpoint/2010/main" val="2810469719"/>
       </p:ext>
     </p:extLst>
   </p:cSld>
@@ -349,7 +349,7 @@
           <p:cNvPr id="2" name="标题 1">
             <a:extLst>
               <a:ext uri="{FF2B5EF4-FFF2-40B4-BE49-F238E27FC236}">
-                <a16:creationId xmlns:a16="http://schemas.microsoft.com/office/drawing/2014/main" id="{4D551DC9-AE83-2E19-53DD-FFDE39B299D4}"/>
+                <a16:creationId xmlns:a16="http://schemas.microsoft.com/office/drawing/2014/main" id="{36C7C2F4-9ECE-314C-5422-677594680394}"/>
               </a:ext>
             </a:extLst>
           </p:cNvPr>
@@ -377,7 +377,7 @@
           <p:cNvPr id="3" name="竖排文字占位符 2">
             <a:extLst>
               <a:ext uri="{FF2B5EF4-FFF2-40B4-BE49-F238E27FC236}">
-                <a16:creationId xmlns:a16="http://schemas.microsoft.com/office/drawing/2014/main" id="{FBF8DB69-6DB8-31A4-7792-82F9E7B9E0FE}"/>
+                <a16:creationId xmlns:a16="http://schemas.microsoft.com/office/drawing/2014/main" id="{C55FB30A-E1E9-7929-FB90-C809C8398FAA}"/>
               </a:ext>
             </a:extLst>
           </p:cNvPr>
@@ -434,7 +434,7 @@
           <p:cNvPr id="4" name="日期占位符 3">
             <a:extLst>
               <a:ext uri="{FF2B5EF4-FFF2-40B4-BE49-F238E27FC236}">
-                <a16:creationId xmlns:a16="http://schemas.microsoft.com/office/drawing/2014/main" id="{810D6673-6C71-679C-2523-B70F6AEF10C8}"/>
+                <a16:creationId xmlns:a16="http://schemas.microsoft.com/office/drawing/2014/main" id="{C51E9BDE-C203-E1D9-681B-90E4DB1C971F}"/>
               </a:ext>
             </a:extLst>
           </p:cNvPr>
@@ -450,7 +450,7 @@
           <a:bodyPr/>
           <a:lstStyle/>
           <a:p>
-            <a:fld id="{41B5A961-90B7-4E3A-A595-9E77CB81F49C}" type="datetimeFigureOut">
+            <a:fld id="{B3B5558C-F3A0-4F34-8AFD-CC8038247407}" type="datetimeFigureOut">
               <a:rPr lang="zh-CN" altLang="en-US" smtClean="0"/>
               <a:t>2024/3/10</a:t>
             </a:fld>
@@ -463,7 +463,7 @@
           <p:cNvPr id="5" name="页脚占位符 4">
             <a:extLst>
               <a:ext uri="{FF2B5EF4-FFF2-40B4-BE49-F238E27FC236}">
-                <a16:creationId xmlns:a16="http://schemas.microsoft.com/office/drawing/2014/main" id="{6DEDBEF9-8A2C-5AB3-EA49-41A9A101B736}"/>
+                <a16:creationId xmlns:a16="http://schemas.microsoft.com/office/drawing/2014/main" id="{596C13A2-2D78-4698-C738-33FAA61337E9}"/>
               </a:ext>
             </a:extLst>
           </p:cNvPr>
@@ -488,7 +488,7 @@
           <p:cNvPr id="6" name="灯片编号占位符 5">
             <a:extLst>
               <a:ext uri="{FF2B5EF4-FFF2-40B4-BE49-F238E27FC236}">
-                <a16:creationId xmlns:a16="http://schemas.microsoft.com/office/drawing/2014/main" id="{7DC56F3D-01DD-6F9C-7F4E-7B0DF680C70B}"/>
+                <a16:creationId xmlns:a16="http://schemas.microsoft.com/office/drawing/2014/main" id="{7C2741C8-C2B8-AEC7-38C3-4B195D618360}"/>
               </a:ext>
             </a:extLst>
           </p:cNvPr>
@@ -504,7 +504,7 @@
           <a:bodyPr/>
           <a:lstStyle/>
           <a:p>
-            <a:fld id="{0AC92005-1782-4E82-BEB9-6F7CFED62AFB}" type="slidenum">
+            <a:fld id="{CFADE802-3762-4A16-B056-6E53B8C58B5B}" type="slidenum">
               <a:rPr lang="zh-CN" altLang="en-US" smtClean="0"/>
               <a:t>‹#›</a:t>
             </a:fld>
@@ -515,7 +515,7 @@
     </p:spTree>
     <p:extLst>
       <p:ext uri="{BB962C8B-B14F-4D97-AF65-F5344CB8AC3E}">
-        <p14:creationId xmlns:p14="http://schemas.microsoft.com/office/powerpoint/2010/main" val="4122004434"/>
+        <p14:creationId xmlns:p14="http://schemas.microsoft.com/office/powerpoint/2010/main" val="838919761"/>
       </p:ext>
     </p:extLst>
   </p:cSld>
@@ -547,7 +547,7 @@
           <p:cNvPr id="2" name="竖排标题 1">
             <a:extLst>
               <a:ext uri="{FF2B5EF4-FFF2-40B4-BE49-F238E27FC236}">
-                <a16:creationId xmlns:a16="http://schemas.microsoft.com/office/drawing/2014/main" id="{1AED8772-601C-61EC-589D-780B82DFE13F}"/>
+                <a16:creationId xmlns:a16="http://schemas.microsoft.com/office/drawing/2014/main" id="{97D62BC9-C83E-7737-FB0D-6E38ED808299}"/>
               </a:ext>
             </a:extLst>
           </p:cNvPr>
@@ -580,7 +580,7 @@
           <p:cNvPr id="3" name="竖排文字占位符 2">
             <a:extLst>
               <a:ext uri="{FF2B5EF4-FFF2-40B4-BE49-F238E27FC236}">
-                <a16:creationId xmlns:a16="http://schemas.microsoft.com/office/drawing/2014/main" id="{AB6B51D5-7220-ED08-5C36-E2972B2F9789}"/>
+                <a16:creationId xmlns:a16="http://schemas.microsoft.com/office/drawing/2014/main" id="{C4AE047C-2BAF-9EE4-8A49-06B633A7B71B}"/>
               </a:ext>
             </a:extLst>
           </p:cNvPr>
@@ -642,7 +642,7 @@
           <p:cNvPr id="4" name="日期占位符 3">
             <a:extLst>
               <a:ext uri="{FF2B5EF4-FFF2-40B4-BE49-F238E27FC236}">
-                <a16:creationId xmlns:a16="http://schemas.microsoft.com/office/drawing/2014/main" id="{284FA6C8-6B6B-5A87-B387-13C7A008453E}"/>
+                <a16:creationId xmlns:a16="http://schemas.microsoft.com/office/drawing/2014/main" id="{AD9E9631-63F7-E304-E7CE-A529AD62B1DD}"/>
               </a:ext>
             </a:extLst>
           </p:cNvPr>
@@ -658,7 +658,7 @@
           <a:bodyPr/>
           <a:lstStyle/>
           <a:p>
-            <a:fld id="{41B5A961-90B7-4E3A-A595-9E77CB81F49C}" type="datetimeFigureOut">
+            <a:fld id="{B3B5558C-F3A0-4F34-8AFD-CC8038247407}" type="datetimeFigureOut">
               <a:rPr lang="zh-CN" altLang="en-US" smtClean="0"/>
               <a:t>2024/3/10</a:t>
             </a:fld>
@@ -671,7 +671,7 @@
           <p:cNvPr id="5" name="页脚占位符 4">
             <a:extLst>
               <a:ext uri="{FF2B5EF4-FFF2-40B4-BE49-F238E27FC236}">
-                <a16:creationId xmlns:a16="http://schemas.microsoft.com/office/drawing/2014/main" id="{9D91ABF9-62A6-161E-B7A3-E1DC914322C4}"/>
+                <a16:creationId xmlns:a16="http://schemas.microsoft.com/office/drawing/2014/main" id="{4FB0FE20-F742-DACC-9166-C3B333FC9C39}"/>
               </a:ext>
             </a:extLst>
           </p:cNvPr>
@@ -696,7 +696,7 @@
           <p:cNvPr id="6" name="灯片编号占位符 5">
             <a:extLst>
               <a:ext uri="{FF2B5EF4-FFF2-40B4-BE49-F238E27FC236}">
-                <a16:creationId xmlns:a16="http://schemas.microsoft.com/office/drawing/2014/main" id="{33C114FB-5576-0C4F-87BC-00C7A7A84CF3}"/>
+                <a16:creationId xmlns:a16="http://schemas.microsoft.com/office/drawing/2014/main" id="{474BD10B-18B0-70A2-5F03-3973E0B50678}"/>
               </a:ext>
             </a:extLst>
           </p:cNvPr>
@@ -712,7 +712,7 @@
           <a:bodyPr/>
           <a:lstStyle/>
           <a:p>
-            <a:fld id="{0AC92005-1782-4E82-BEB9-6F7CFED62AFB}" type="slidenum">
+            <a:fld id="{CFADE802-3762-4A16-B056-6E53B8C58B5B}" type="slidenum">
               <a:rPr lang="zh-CN" altLang="en-US" smtClean="0"/>
               <a:t>‹#›</a:t>
             </a:fld>
@@ -723,7 +723,7 @@
     </p:spTree>
     <p:extLst>
       <p:ext uri="{BB962C8B-B14F-4D97-AF65-F5344CB8AC3E}">
-        <p14:creationId xmlns:p14="http://schemas.microsoft.com/office/powerpoint/2010/main" val="824048038"/>
+        <p14:creationId xmlns:p14="http://schemas.microsoft.com/office/powerpoint/2010/main" val="3919101835"/>
       </p:ext>
     </p:extLst>
   </p:cSld>
@@ -755,7 +755,7 @@
           <p:cNvPr id="2" name="标题 1">
             <a:extLst>
               <a:ext uri="{FF2B5EF4-FFF2-40B4-BE49-F238E27FC236}">
-                <a16:creationId xmlns:a16="http://schemas.microsoft.com/office/drawing/2014/main" id="{9AA32745-2B9A-4EE8-71DD-0F318DC20061}"/>
+                <a16:creationId xmlns:a16="http://schemas.microsoft.com/office/drawing/2014/main" id="{7D2D7905-E8DD-B8E0-6785-DDE9F61557D3}"/>
               </a:ext>
             </a:extLst>
           </p:cNvPr>
@@ -783,7 +783,7 @@
           <p:cNvPr id="3" name="内容占位符 2">
             <a:extLst>
               <a:ext uri="{FF2B5EF4-FFF2-40B4-BE49-F238E27FC236}">
-                <a16:creationId xmlns:a16="http://schemas.microsoft.com/office/drawing/2014/main" id="{668E806F-7CCC-42A4-5471-DC672A01998C}"/>
+                <a16:creationId xmlns:a16="http://schemas.microsoft.com/office/drawing/2014/main" id="{CF7BF4F9-D879-8F09-A512-89FB7527CC8B}"/>
               </a:ext>
             </a:extLst>
           </p:cNvPr>
@@ -840,7 +840,7 @@
           <p:cNvPr id="4" name="日期占位符 3">
             <a:extLst>
               <a:ext uri="{FF2B5EF4-FFF2-40B4-BE49-F238E27FC236}">
-                <a16:creationId xmlns:a16="http://schemas.microsoft.com/office/drawing/2014/main" id="{0B8A2713-AFDB-B610-A295-F1EE5A46A8AE}"/>
+                <a16:creationId xmlns:a16="http://schemas.microsoft.com/office/drawing/2014/main" id="{A999C0C1-A244-FA5F-401E-C4CC1DFC6465}"/>
               </a:ext>
             </a:extLst>
           </p:cNvPr>
@@ -856,7 +856,7 @@
           <a:bodyPr/>
           <a:lstStyle/>
           <a:p>
-            <a:fld id="{41B5A961-90B7-4E3A-A595-9E77CB81F49C}" type="datetimeFigureOut">
+            <a:fld id="{B3B5558C-F3A0-4F34-8AFD-CC8038247407}" type="datetimeFigureOut">
               <a:rPr lang="zh-CN" altLang="en-US" smtClean="0"/>
               <a:t>2024/3/10</a:t>
             </a:fld>
@@ -869,7 +869,7 @@
           <p:cNvPr id="5" name="页脚占位符 4">
             <a:extLst>
               <a:ext uri="{FF2B5EF4-FFF2-40B4-BE49-F238E27FC236}">
-                <a16:creationId xmlns:a16="http://schemas.microsoft.com/office/drawing/2014/main" id="{6991828A-20C4-745D-680A-817CC0E10EE4}"/>
+                <a16:creationId xmlns:a16="http://schemas.microsoft.com/office/drawing/2014/main" id="{F94BBD9D-708A-B415-8B7D-F1E23BA39200}"/>
               </a:ext>
             </a:extLst>
           </p:cNvPr>
@@ -894,7 +894,7 @@
           <p:cNvPr id="6" name="灯片编号占位符 5">
             <a:extLst>
               <a:ext uri="{FF2B5EF4-FFF2-40B4-BE49-F238E27FC236}">
-                <a16:creationId xmlns:a16="http://schemas.microsoft.com/office/drawing/2014/main" id="{C6568A9A-9494-2EDC-37BB-5D98888211E2}"/>
+                <a16:creationId xmlns:a16="http://schemas.microsoft.com/office/drawing/2014/main" id="{1BF0DB0D-D3C9-D79B-B178-A08E7D6D3A01}"/>
               </a:ext>
             </a:extLst>
           </p:cNvPr>
@@ -910,7 +910,7 @@
           <a:bodyPr/>
           <a:lstStyle/>
           <a:p>
-            <a:fld id="{0AC92005-1782-4E82-BEB9-6F7CFED62AFB}" type="slidenum">
+            <a:fld id="{CFADE802-3762-4A16-B056-6E53B8C58B5B}" type="slidenum">
               <a:rPr lang="zh-CN" altLang="en-US" smtClean="0"/>
               <a:t>‹#›</a:t>
             </a:fld>
@@ -921,7 +921,7 @@
     </p:spTree>
     <p:extLst>
       <p:ext uri="{BB962C8B-B14F-4D97-AF65-F5344CB8AC3E}">
-        <p14:creationId xmlns:p14="http://schemas.microsoft.com/office/powerpoint/2010/main" val="555045173"/>
+        <p14:creationId xmlns:p14="http://schemas.microsoft.com/office/powerpoint/2010/main" val="2741513872"/>
       </p:ext>
     </p:extLst>
   </p:cSld>
@@ -953,7 +953,7 @@
           <p:cNvPr id="2" name="标题 1">
             <a:extLst>
               <a:ext uri="{FF2B5EF4-FFF2-40B4-BE49-F238E27FC236}">
-                <a16:creationId xmlns:a16="http://schemas.microsoft.com/office/drawing/2014/main" id="{4294D172-D3D7-46ED-AB4F-BF3F4EB5674B}"/>
+                <a16:creationId xmlns:a16="http://schemas.microsoft.com/office/drawing/2014/main" id="{A7EC65D0-465E-0B13-CE9D-FA32A4D26C3A}"/>
               </a:ext>
             </a:extLst>
           </p:cNvPr>
@@ -990,7 +990,7 @@
           <p:cNvPr id="3" name="文本占位符 2">
             <a:extLst>
               <a:ext uri="{FF2B5EF4-FFF2-40B4-BE49-F238E27FC236}">
-                <a16:creationId xmlns:a16="http://schemas.microsoft.com/office/drawing/2014/main" id="{DFF49310-4841-1378-691B-5E79FE5B77BB}"/>
+                <a16:creationId xmlns:a16="http://schemas.microsoft.com/office/drawing/2014/main" id="{99EEB42B-8E9A-FCA2-9393-51BA4535F82D}"/>
               </a:ext>
             </a:extLst>
           </p:cNvPr>
@@ -1115,7 +1115,7 @@
           <p:cNvPr id="4" name="日期占位符 3">
             <a:extLst>
               <a:ext uri="{FF2B5EF4-FFF2-40B4-BE49-F238E27FC236}">
-                <a16:creationId xmlns:a16="http://schemas.microsoft.com/office/drawing/2014/main" id="{4C9CE1E9-76ED-4CE7-1B30-0C001B33068A}"/>
+                <a16:creationId xmlns:a16="http://schemas.microsoft.com/office/drawing/2014/main" id="{225D1FF3-49E1-D7BC-6599-7363E41CE2C0}"/>
               </a:ext>
             </a:extLst>
           </p:cNvPr>
@@ -1131,7 +1131,7 @@
           <a:bodyPr/>
           <a:lstStyle/>
           <a:p>
-            <a:fld id="{41B5A961-90B7-4E3A-A595-9E77CB81F49C}" type="datetimeFigureOut">
+            <a:fld id="{B3B5558C-F3A0-4F34-8AFD-CC8038247407}" type="datetimeFigureOut">
               <a:rPr lang="zh-CN" altLang="en-US" smtClean="0"/>
               <a:t>2024/3/10</a:t>
             </a:fld>
@@ -1144,7 +1144,7 @@
           <p:cNvPr id="5" name="页脚占位符 4">
             <a:extLst>
               <a:ext uri="{FF2B5EF4-FFF2-40B4-BE49-F238E27FC236}">
-                <a16:creationId xmlns:a16="http://schemas.microsoft.com/office/drawing/2014/main" id="{AD9CA373-156F-0B4A-2C31-79B6232CCB19}"/>
+                <a16:creationId xmlns:a16="http://schemas.microsoft.com/office/drawing/2014/main" id="{F161F06A-8370-A0E9-DC6F-5A0C2387108C}"/>
               </a:ext>
             </a:extLst>
           </p:cNvPr>
@@ -1169,7 +1169,7 @@
           <p:cNvPr id="6" name="灯片编号占位符 5">
             <a:extLst>
               <a:ext uri="{FF2B5EF4-FFF2-40B4-BE49-F238E27FC236}">
-                <a16:creationId xmlns:a16="http://schemas.microsoft.com/office/drawing/2014/main" id="{D65D32AF-A268-7651-CBD9-285883D60221}"/>
+                <a16:creationId xmlns:a16="http://schemas.microsoft.com/office/drawing/2014/main" id="{A213302A-5187-B9A4-AD2F-7138AB0CCDB9}"/>
               </a:ext>
             </a:extLst>
           </p:cNvPr>
@@ -1185,7 +1185,7 @@
           <a:bodyPr/>
           <a:lstStyle/>
           <a:p>
-            <a:fld id="{0AC92005-1782-4E82-BEB9-6F7CFED62AFB}" type="slidenum">
+            <a:fld id="{CFADE802-3762-4A16-B056-6E53B8C58B5B}" type="slidenum">
               <a:rPr lang="zh-CN" altLang="en-US" smtClean="0"/>
               <a:t>‹#›</a:t>
             </a:fld>
@@ -1196,7 +1196,7 @@
     </p:spTree>
     <p:extLst>
       <p:ext uri="{BB962C8B-B14F-4D97-AF65-F5344CB8AC3E}">
-        <p14:creationId xmlns:p14="http://schemas.microsoft.com/office/powerpoint/2010/main" val="2942180410"/>
+        <p14:creationId xmlns:p14="http://schemas.microsoft.com/office/powerpoint/2010/main" val="4208750376"/>
       </p:ext>
     </p:extLst>
   </p:cSld>
@@ -1228,7 +1228,7 @@
           <p:cNvPr id="2" name="标题 1">
             <a:extLst>
               <a:ext uri="{FF2B5EF4-FFF2-40B4-BE49-F238E27FC236}">
-                <a16:creationId xmlns:a16="http://schemas.microsoft.com/office/drawing/2014/main" id="{79860E24-A91B-6664-58D0-BEE61FCF7BFA}"/>
+                <a16:creationId xmlns:a16="http://schemas.microsoft.com/office/drawing/2014/main" id="{2D3E716F-733E-DE00-D0C5-CCF1BBEE8042}"/>
               </a:ext>
             </a:extLst>
           </p:cNvPr>
@@ -1256,7 +1256,7 @@
           <p:cNvPr id="3" name="内容占位符 2">
             <a:extLst>
               <a:ext uri="{FF2B5EF4-FFF2-40B4-BE49-F238E27FC236}">
-                <a16:creationId xmlns:a16="http://schemas.microsoft.com/office/drawing/2014/main" id="{FC572E48-0910-C6D8-8C2E-3397B193D745}"/>
+                <a16:creationId xmlns:a16="http://schemas.microsoft.com/office/drawing/2014/main" id="{D83BB2DC-46B0-8008-5F2D-C92E4FB15BB1}"/>
               </a:ext>
             </a:extLst>
           </p:cNvPr>
@@ -1318,7 +1318,7 @@
           <p:cNvPr id="4" name="内容占位符 3">
             <a:extLst>
               <a:ext uri="{FF2B5EF4-FFF2-40B4-BE49-F238E27FC236}">
-                <a16:creationId xmlns:a16="http://schemas.microsoft.com/office/drawing/2014/main" id="{3A3E9553-3E37-DEA4-22E9-06132E346A62}"/>
+                <a16:creationId xmlns:a16="http://schemas.microsoft.com/office/drawing/2014/main" id="{9E9CBA3C-6F93-92BC-9710-89211F550BB3}"/>
               </a:ext>
             </a:extLst>
           </p:cNvPr>
@@ -1380,7 +1380,7 @@
           <p:cNvPr id="5" name="日期占位符 4">
             <a:extLst>
               <a:ext uri="{FF2B5EF4-FFF2-40B4-BE49-F238E27FC236}">
-                <a16:creationId xmlns:a16="http://schemas.microsoft.com/office/drawing/2014/main" id="{46DE8694-F164-1795-72B4-3CBDC70D8FF9}"/>
+                <a16:creationId xmlns:a16="http://schemas.microsoft.com/office/drawing/2014/main" id="{3E4E56A5-D7A6-365F-FA3D-EC0F8AA5E3DD}"/>
               </a:ext>
             </a:extLst>
           </p:cNvPr>
@@ -1396,7 +1396,7 @@
           <a:bodyPr/>
           <a:lstStyle/>
           <a:p>
-            <a:fld id="{41B5A961-90B7-4E3A-A595-9E77CB81F49C}" type="datetimeFigureOut">
+            <a:fld id="{B3B5558C-F3A0-4F34-8AFD-CC8038247407}" type="datetimeFigureOut">
               <a:rPr lang="zh-CN" altLang="en-US" smtClean="0"/>
               <a:t>2024/3/10</a:t>
             </a:fld>
@@ -1409,7 +1409,7 @@
           <p:cNvPr id="6" name="页脚占位符 5">
             <a:extLst>
               <a:ext uri="{FF2B5EF4-FFF2-40B4-BE49-F238E27FC236}">
-                <a16:creationId xmlns:a16="http://schemas.microsoft.com/office/drawing/2014/main" id="{476C7EF0-BAF8-3874-20CB-FC93C4D2BF14}"/>
+                <a16:creationId xmlns:a16="http://schemas.microsoft.com/office/drawing/2014/main" id="{EB894119-64ED-4636-F28C-192709AFCA84}"/>
               </a:ext>
             </a:extLst>
           </p:cNvPr>
@@ -1434,7 +1434,7 @@
           <p:cNvPr id="7" name="灯片编号占位符 6">
             <a:extLst>
               <a:ext uri="{FF2B5EF4-FFF2-40B4-BE49-F238E27FC236}">
-                <a16:creationId xmlns:a16="http://schemas.microsoft.com/office/drawing/2014/main" id="{F47BD326-9305-8866-FEE3-B3760E8EF33A}"/>
+                <a16:creationId xmlns:a16="http://schemas.microsoft.com/office/drawing/2014/main" id="{F51D1F1A-056D-CED1-5BBD-D4A40F9201BB}"/>
               </a:ext>
             </a:extLst>
           </p:cNvPr>
@@ -1450,7 +1450,7 @@
           <a:bodyPr/>
           <a:lstStyle/>
           <a:p>
-            <a:fld id="{0AC92005-1782-4E82-BEB9-6F7CFED62AFB}" type="slidenum">
+            <a:fld id="{CFADE802-3762-4A16-B056-6E53B8C58B5B}" type="slidenum">
               <a:rPr lang="zh-CN" altLang="en-US" smtClean="0"/>
               <a:t>‹#›</a:t>
             </a:fld>
@@ -1461,7 +1461,7 @@
     </p:spTree>
     <p:extLst>
       <p:ext uri="{BB962C8B-B14F-4D97-AF65-F5344CB8AC3E}">
-        <p14:creationId xmlns:p14="http://schemas.microsoft.com/office/powerpoint/2010/main" val="4251806047"/>
+        <p14:creationId xmlns:p14="http://schemas.microsoft.com/office/powerpoint/2010/main" val="3981990191"/>
       </p:ext>
     </p:extLst>
   </p:cSld>
@@ -1493,7 +1493,7 @@
           <p:cNvPr id="2" name="标题 1">
             <a:extLst>
               <a:ext uri="{FF2B5EF4-FFF2-40B4-BE49-F238E27FC236}">
-                <a16:creationId xmlns:a16="http://schemas.microsoft.com/office/drawing/2014/main" id="{46642B5E-D003-7CEE-4E8E-90594C5ABE50}"/>
+                <a16:creationId xmlns:a16="http://schemas.microsoft.com/office/drawing/2014/main" id="{DAD5A142-5766-91AC-CCA8-3493F49238E3}"/>
               </a:ext>
             </a:extLst>
           </p:cNvPr>
@@ -1526,7 +1526,7 @@
           <p:cNvPr id="3" name="文本占位符 2">
             <a:extLst>
               <a:ext uri="{FF2B5EF4-FFF2-40B4-BE49-F238E27FC236}">
-                <a16:creationId xmlns:a16="http://schemas.microsoft.com/office/drawing/2014/main" id="{7A4604F3-6B4C-A63C-E680-DC0C5F5F37B2}"/>
+                <a16:creationId xmlns:a16="http://schemas.microsoft.com/office/drawing/2014/main" id="{A07EF768-F740-7C0B-1066-B2126BD0E000}"/>
               </a:ext>
             </a:extLst>
           </p:cNvPr>
@@ -1597,7 +1597,7 @@
           <p:cNvPr id="4" name="内容占位符 3">
             <a:extLst>
               <a:ext uri="{FF2B5EF4-FFF2-40B4-BE49-F238E27FC236}">
-                <a16:creationId xmlns:a16="http://schemas.microsoft.com/office/drawing/2014/main" id="{F2ACC4C0-0D52-75C8-5EAC-9E11E77975AA}"/>
+                <a16:creationId xmlns:a16="http://schemas.microsoft.com/office/drawing/2014/main" id="{C8CEEFD2-D8A8-997F-094E-F0FAEB0394E5}"/>
               </a:ext>
             </a:extLst>
           </p:cNvPr>
@@ -1659,7 +1659,7 @@
           <p:cNvPr id="5" name="文本占位符 4">
             <a:extLst>
               <a:ext uri="{FF2B5EF4-FFF2-40B4-BE49-F238E27FC236}">
-                <a16:creationId xmlns:a16="http://schemas.microsoft.com/office/drawing/2014/main" id="{C6586986-6EAE-F536-B08D-551E848ABEFC}"/>
+                <a16:creationId xmlns:a16="http://schemas.microsoft.com/office/drawing/2014/main" id="{CD5AE738-FB43-939C-38E4-0ED1AE5B412B}"/>
               </a:ext>
             </a:extLst>
           </p:cNvPr>
@@ -1730,7 +1730,7 @@
           <p:cNvPr id="6" name="内容占位符 5">
             <a:extLst>
               <a:ext uri="{FF2B5EF4-FFF2-40B4-BE49-F238E27FC236}">
-                <a16:creationId xmlns:a16="http://schemas.microsoft.com/office/drawing/2014/main" id="{DA820191-B781-17A9-A2B5-57108F8E95FE}"/>
+                <a16:creationId xmlns:a16="http://schemas.microsoft.com/office/drawing/2014/main" id="{8F2BA14E-053B-EF49-D28B-70736BFAF729}"/>
               </a:ext>
             </a:extLst>
           </p:cNvPr>
@@ -1792,7 +1792,7 @@
           <p:cNvPr id="7" name="日期占位符 6">
             <a:extLst>
               <a:ext uri="{FF2B5EF4-FFF2-40B4-BE49-F238E27FC236}">
-                <a16:creationId xmlns:a16="http://schemas.microsoft.com/office/drawing/2014/main" id="{77FD45CB-F438-4310-A62C-20DB18F5929C}"/>
+                <a16:creationId xmlns:a16="http://schemas.microsoft.com/office/drawing/2014/main" id="{811B855E-802E-5D38-6B50-1579FCE7BC26}"/>
               </a:ext>
             </a:extLst>
           </p:cNvPr>
@@ -1808,7 +1808,7 @@
           <a:bodyPr/>
           <a:lstStyle/>
           <a:p>
-            <a:fld id="{41B5A961-90B7-4E3A-A595-9E77CB81F49C}" type="datetimeFigureOut">
+            <a:fld id="{B3B5558C-F3A0-4F34-8AFD-CC8038247407}" type="datetimeFigureOut">
               <a:rPr lang="zh-CN" altLang="en-US" smtClean="0"/>
               <a:t>2024/3/10</a:t>
             </a:fld>
@@ -1821,7 +1821,7 @@
           <p:cNvPr id="8" name="页脚占位符 7">
             <a:extLst>
               <a:ext uri="{FF2B5EF4-FFF2-40B4-BE49-F238E27FC236}">
-                <a16:creationId xmlns:a16="http://schemas.microsoft.com/office/drawing/2014/main" id="{371B1CBA-5405-229A-5418-B4BDF141C107}"/>
+                <a16:creationId xmlns:a16="http://schemas.microsoft.com/office/drawing/2014/main" id="{7EAF4F57-F8EE-4794-16C6-3B4F2B73FF21}"/>
               </a:ext>
             </a:extLst>
           </p:cNvPr>
@@ -1846,7 +1846,7 @@
           <p:cNvPr id="9" name="灯片编号占位符 8">
             <a:extLst>
               <a:ext uri="{FF2B5EF4-FFF2-40B4-BE49-F238E27FC236}">
-                <a16:creationId xmlns:a16="http://schemas.microsoft.com/office/drawing/2014/main" id="{C6F71A70-9D8C-FCA3-FD7E-9A4F67A417CA}"/>
+                <a16:creationId xmlns:a16="http://schemas.microsoft.com/office/drawing/2014/main" id="{6A01D86E-CD9F-C3A7-A7B5-A2EB6CD7AADF}"/>
               </a:ext>
             </a:extLst>
           </p:cNvPr>
@@ -1862,7 +1862,7 @@
           <a:bodyPr/>
           <a:lstStyle/>
           <a:p>
-            <a:fld id="{0AC92005-1782-4E82-BEB9-6F7CFED62AFB}" type="slidenum">
+            <a:fld id="{CFADE802-3762-4A16-B056-6E53B8C58B5B}" type="slidenum">
               <a:rPr lang="zh-CN" altLang="en-US" smtClean="0"/>
               <a:t>‹#›</a:t>
             </a:fld>
@@ -1873,7 +1873,7 @@
     </p:spTree>
     <p:extLst>
       <p:ext uri="{BB962C8B-B14F-4D97-AF65-F5344CB8AC3E}">
-        <p14:creationId xmlns:p14="http://schemas.microsoft.com/office/powerpoint/2010/main" val="314829799"/>
+        <p14:creationId xmlns:p14="http://schemas.microsoft.com/office/powerpoint/2010/main" val="4056615179"/>
       </p:ext>
     </p:extLst>
   </p:cSld>
@@ -1905,7 +1905,7 @@
           <p:cNvPr id="2" name="标题 1">
             <a:extLst>
               <a:ext uri="{FF2B5EF4-FFF2-40B4-BE49-F238E27FC236}">
-                <a16:creationId xmlns:a16="http://schemas.microsoft.com/office/drawing/2014/main" id="{4AAC26EE-2CC6-0B43-F15F-0987A0E434C4}"/>
+                <a16:creationId xmlns:a16="http://schemas.microsoft.com/office/drawing/2014/main" id="{9FD3B6D9-B8B4-EDA6-69DC-EE927EF7ED8B}"/>
               </a:ext>
             </a:extLst>
           </p:cNvPr>
@@ -1933,7 +1933,7 @@
           <p:cNvPr id="3" name="日期占位符 2">
             <a:extLst>
               <a:ext uri="{FF2B5EF4-FFF2-40B4-BE49-F238E27FC236}">
-                <a16:creationId xmlns:a16="http://schemas.microsoft.com/office/drawing/2014/main" id="{D560B3A0-0A5C-C827-906C-0BDD5CB74459}"/>
+                <a16:creationId xmlns:a16="http://schemas.microsoft.com/office/drawing/2014/main" id="{36341150-7DCE-D130-5B92-63409D17B1F2}"/>
               </a:ext>
             </a:extLst>
           </p:cNvPr>
@@ -1949,7 +1949,7 @@
           <a:bodyPr/>
           <a:lstStyle/>
           <a:p>
-            <a:fld id="{41B5A961-90B7-4E3A-A595-9E77CB81F49C}" type="datetimeFigureOut">
+            <a:fld id="{B3B5558C-F3A0-4F34-8AFD-CC8038247407}" type="datetimeFigureOut">
               <a:rPr lang="zh-CN" altLang="en-US" smtClean="0"/>
               <a:t>2024/3/10</a:t>
             </a:fld>
@@ -1962,7 +1962,7 @@
           <p:cNvPr id="4" name="页脚占位符 3">
             <a:extLst>
               <a:ext uri="{FF2B5EF4-FFF2-40B4-BE49-F238E27FC236}">
-                <a16:creationId xmlns:a16="http://schemas.microsoft.com/office/drawing/2014/main" id="{5EF889F6-A9B5-2F42-6978-E56F795D4943}"/>
+                <a16:creationId xmlns:a16="http://schemas.microsoft.com/office/drawing/2014/main" id="{003595BD-D77C-CC41-C936-7FD2A9A65A7F}"/>
               </a:ext>
             </a:extLst>
           </p:cNvPr>
@@ -1987,7 +1987,7 @@
           <p:cNvPr id="5" name="灯片编号占位符 4">
             <a:extLst>
               <a:ext uri="{FF2B5EF4-FFF2-40B4-BE49-F238E27FC236}">
-                <a16:creationId xmlns:a16="http://schemas.microsoft.com/office/drawing/2014/main" id="{857A63FB-1D6F-D3AA-00EB-22E3089302A8}"/>
+                <a16:creationId xmlns:a16="http://schemas.microsoft.com/office/drawing/2014/main" id="{7B7790FB-B07C-8587-B29D-65A3FE917B59}"/>
               </a:ext>
             </a:extLst>
           </p:cNvPr>
@@ -2003,7 +2003,7 @@
           <a:bodyPr/>
           <a:lstStyle/>
           <a:p>
-            <a:fld id="{0AC92005-1782-4E82-BEB9-6F7CFED62AFB}" type="slidenum">
+            <a:fld id="{CFADE802-3762-4A16-B056-6E53B8C58B5B}" type="slidenum">
               <a:rPr lang="zh-CN" altLang="en-US" smtClean="0"/>
               <a:t>‹#›</a:t>
             </a:fld>
@@ -2014,7 +2014,7 @@
     </p:spTree>
     <p:extLst>
       <p:ext uri="{BB962C8B-B14F-4D97-AF65-F5344CB8AC3E}">
-        <p14:creationId xmlns:p14="http://schemas.microsoft.com/office/powerpoint/2010/main" val="2415315630"/>
+        <p14:creationId xmlns:p14="http://schemas.microsoft.com/office/powerpoint/2010/main" val="1214305924"/>
       </p:ext>
     </p:extLst>
   </p:cSld>
@@ -2046,7 +2046,7 @@
           <p:cNvPr id="2" name="日期占位符 1">
             <a:extLst>
               <a:ext uri="{FF2B5EF4-FFF2-40B4-BE49-F238E27FC236}">
-                <a16:creationId xmlns:a16="http://schemas.microsoft.com/office/drawing/2014/main" id="{ECADEADE-86FE-BC5B-AB01-D10DE8D1C9B9}"/>
+                <a16:creationId xmlns:a16="http://schemas.microsoft.com/office/drawing/2014/main" id="{958BB79A-8331-54BC-4FEC-ECFB9E6674D4}"/>
               </a:ext>
             </a:extLst>
           </p:cNvPr>
@@ -2062,7 +2062,7 @@
           <a:bodyPr/>
           <a:lstStyle/>
           <a:p>
-            <a:fld id="{41B5A961-90B7-4E3A-A595-9E77CB81F49C}" type="datetimeFigureOut">
+            <a:fld id="{B3B5558C-F3A0-4F34-8AFD-CC8038247407}" type="datetimeFigureOut">
               <a:rPr lang="zh-CN" altLang="en-US" smtClean="0"/>
               <a:t>2024/3/10</a:t>
             </a:fld>
@@ -2075,7 +2075,7 @@
           <p:cNvPr id="3" name="页脚占位符 2">
             <a:extLst>
               <a:ext uri="{FF2B5EF4-FFF2-40B4-BE49-F238E27FC236}">
-                <a16:creationId xmlns:a16="http://schemas.microsoft.com/office/drawing/2014/main" id="{062FA5FE-C18E-5820-292B-265A8D97F1F1}"/>
+                <a16:creationId xmlns:a16="http://schemas.microsoft.com/office/drawing/2014/main" id="{66DFAA79-E391-F45A-FA50-AE96577BBE36}"/>
               </a:ext>
             </a:extLst>
           </p:cNvPr>
@@ -2100,7 +2100,7 @@
           <p:cNvPr id="4" name="灯片编号占位符 3">
             <a:extLst>
               <a:ext uri="{FF2B5EF4-FFF2-40B4-BE49-F238E27FC236}">
-                <a16:creationId xmlns:a16="http://schemas.microsoft.com/office/drawing/2014/main" id="{02F4CBF9-72B2-6594-7B30-4A0880FE0ABC}"/>
+                <a16:creationId xmlns:a16="http://schemas.microsoft.com/office/drawing/2014/main" id="{25C8356D-659D-3070-9C01-25CB3F4A35C0}"/>
               </a:ext>
             </a:extLst>
           </p:cNvPr>
@@ -2116,7 +2116,7 @@
           <a:bodyPr/>
           <a:lstStyle/>
           <a:p>
-            <a:fld id="{0AC92005-1782-4E82-BEB9-6F7CFED62AFB}" type="slidenum">
+            <a:fld id="{CFADE802-3762-4A16-B056-6E53B8C58B5B}" type="slidenum">
               <a:rPr lang="zh-CN" altLang="en-US" smtClean="0"/>
               <a:t>‹#›</a:t>
             </a:fld>
@@ -2127,7 +2127,7 @@
     </p:spTree>
     <p:extLst>
       <p:ext uri="{BB962C8B-B14F-4D97-AF65-F5344CB8AC3E}">
-        <p14:creationId xmlns:p14="http://schemas.microsoft.com/office/powerpoint/2010/main" val="1584170739"/>
+        <p14:creationId xmlns:p14="http://schemas.microsoft.com/office/powerpoint/2010/main" val="4140579893"/>
       </p:ext>
     </p:extLst>
   </p:cSld>
@@ -2159,7 +2159,7 @@
           <p:cNvPr id="2" name="标题 1">
             <a:extLst>
               <a:ext uri="{FF2B5EF4-FFF2-40B4-BE49-F238E27FC236}">
-                <a16:creationId xmlns:a16="http://schemas.microsoft.com/office/drawing/2014/main" id="{3D2D3E21-7DF1-41E2-3226-7AD07C357AEE}"/>
+                <a16:creationId xmlns:a16="http://schemas.microsoft.com/office/drawing/2014/main" id="{1C634348-EF4B-E025-8405-09C2799C6D9F}"/>
               </a:ext>
             </a:extLst>
           </p:cNvPr>
@@ -2196,7 +2196,7 @@
           <p:cNvPr id="3" name="内容占位符 2">
             <a:extLst>
               <a:ext uri="{FF2B5EF4-FFF2-40B4-BE49-F238E27FC236}">
-                <a16:creationId xmlns:a16="http://schemas.microsoft.com/office/drawing/2014/main" id="{B7156F1D-467B-DF92-6CBC-6D5ED010AE37}"/>
+                <a16:creationId xmlns:a16="http://schemas.microsoft.com/office/drawing/2014/main" id="{A3EF9F6D-92CE-B25F-E8B7-B259AFD03AD6}"/>
               </a:ext>
             </a:extLst>
           </p:cNvPr>
@@ -2286,7 +2286,7 @@
           <p:cNvPr id="4" name="文本占位符 3">
             <a:extLst>
               <a:ext uri="{FF2B5EF4-FFF2-40B4-BE49-F238E27FC236}">
-                <a16:creationId xmlns:a16="http://schemas.microsoft.com/office/drawing/2014/main" id="{17CE947F-4818-928D-692A-5CC2B983E5A3}"/>
+                <a16:creationId xmlns:a16="http://schemas.microsoft.com/office/drawing/2014/main" id="{236A4A85-B7B6-D9F1-51F3-F4B76C88B5F6}"/>
               </a:ext>
             </a:extLst>
           </p:cNvPr>
@@ -2357,7 +2357,7 @@
           <p:cNvPr id="5" name="日期占位符 4">
             <a:extLst>
               <a:ext uri="{FF2B5EF4-FFF2-40B4-BE49-F238E27FC236}">
-                <a16:creationId xmlns:a16="http://schemas.microsoft.com/office/drawing/2014/main" id="{C1014C93-ADC5-5630-6A3C-BC1AE623DBAE}"/>
+                <a16:creationId xmlns:a16="http://schemas.microsoft.com/office/drawing/2014/main" id="{77BD043D-3DB4-C706-34F3-A602FD8923E6}"/>
               </a:ext>
             </a:extLst>
           </p:cNvPr>
@@ -2373,7 +2373,7 @@
           <a:bodyPr/>
           <a:lstStyle/>
           <a:p>
-            <a:fld id="{41B5A961-90B7-4E3A-A595-9E77CB81F49C}" type="datetimeFigureOut">
+            <a:fld id="{B3B5558C-F3A0-4F34-8AFD-CC8038247407}" type="datetimeFigureOut">
               <a:rPr lang="zh-CN" altLang="en-US" smtClean="0"/>
               <a:t>2024/3/10</a:t>
             </a:fld>
@@ -2386,7 +2386,7 @@
           <p:cNvPr id="6" name="页脚占位符 5">
             <a:extLst>
               <a:ext uri="{FF2B5EF4-FFF2-40B4-BE49-F238E27FC236}">
-                <a16:creationId xmlns:a16="http://schemas.microsoft.com/office/drawing/2014/main" id="{0225F1CA-B3A9-1B2E-C85D-FB72B1CBA904}"/>
+                <a16:creationId xmlns:a16="http://schemas.microsoft.com/office/drawing/2014/main" id="{760C7321-9CCE-6562-BA24-B56D95688B1F}"/>
               </a:ext>
             </a:extLst>
           </p:cNvPr>
@@ -2411,7 +2411,7 @@
           <p:cNvPr id="7" name="灯片编号占位符 6">
             <a:extLst>
               <a:ext uri="{FF2B5EF4-FFF2-40B4-BE49-F238E27FC236}">
-                <a16:creationId xmlns:a16="http://schemas.microsoft.com/office/drawing/2014/main" id="{B16EB30E-DFEF-F9C6-15CD-47B595F7C325}"/>
+                <a16:creationId xmlns:a16="http://schemas.microsoft.com/office/drawing/2014/main" id="{F423CDA3-F580-23D1-6594-D0F39800BB67}"/>
               </a:ext>
             </a:extLst>
           </p:cNvPr>
@@ -2427,7 +2427,7 @@
           <a:bodyPr/>
           <a:lstStyle/>
           <a:p>
-            <a:fld id="{0AC92005-1782-4E82-BEB9-6F7CFED62AFB}" type="slidenum">
+            <a:fld id="{CFADE802-3762-4A16-B056-6E53B8C58B5B}" type="slidenum">
               <a:rPr lang="zh-CN" altLang="en-US" smtClean="0"/>
               <a:t>‹#›</a:t>
             </a:fld>
@@ -2438,7 +2438,7 @@
     </p:spTree>
     <p:extLst>
       <p:ext uri="{BB962C8B-B14F-4D97-AF65-F5344CB8AC3E}">
-        <p14:creationId xmlns:p14="http://schemas.microsoft.com/office/powerpoint/2010/main" val="1751652629"/>
+        <p14:creationId xmlns:p14="http://schemas.microsoft.com/office/powerpoint/2010/main" val="2946040868"/>
       </p:ext>
     </p:extLst>
   </p:cSld>
@@ -2470,7 +2470,7 @@
           <p:cNvPr id="2" name="标题 1">
             <a:extLst>
               <a:ext uri="{FF2B5EF4-FFF2-40B4-BE49-F238E27FC236}">
-                <a16:creationId xmlns:a16="http://schemas.microsoft.com/office/drawing/2014/main" id="{B484C3A1-CF51-DA0E-A513-F4A3E757F5F1}"/>
+                <a16:creationId xmlns:a16="http://schemas.microsoft.com/office/drawing/2014/main" id="{74BE63FE-791E-89F1-681B-287C1CB1BC33}"/>
               </a:ext>
             </a:extLst>
           </p:cNvPr>
@@ -2507,7 +2507,7 @@
           <p:cNvPr id="3" name="图片占位符 2">
             <a:extLst>
               <a:ext uri="{FF2B5EF4-FFF2-40B4-BE49-F238E27FC236}">
-                <a16:creationId xmlns:a16="http://schemas.microsoft.com/office/drawing/2014/main" id="{8DCF5C7E-F1FB-F649-1C6C-738698279826}"/>
+                <a16:creationId xmlns:a16="http://schemas.microsoft.com/office/drawing/2014/main" id="{FC06029D-E76E-E07A-798A-F32711744403}"/>
               </a:ext>
             </a:extLst>
           </p:cNvPr>
@@ -2574,7 +2574,7 @@
           <p:cNvPr id="4" name="文本占位符 3">
             <a:extLst>
               <a:ext uri="{FF2B5EF4-FFF2-40B4-BE49-F238E27FC236}">
-                <a16:creationId xmlns:a16="http://schemas.microsoft.com/office/drawing/2014/main" id="{3C0CA946-9707-5DDE-6829-3428593E0926}"/>
+                <a16:creationId xmlns:a16="http://schemas.microsoft.com/office/drawing/2014/main" id="{31B21FC9-FF66-0B60-8848-09D29030D960}"/>
               </a:ext>
             </a:extLst>
           </p:cNvPr>
@@ -2645,7 +2645,7 @@
           <p:cNvPr id="5" name="日期占位符 4">
             <a:extLst>
               <a:ext uri="{FF2B5EF4-FFF2-40B4-BE49-F238E27FC236}">
-                <a16:creationId xmlns:a16="http://schemas.microsoft.com/office/drawing/2014/main" id="{065C1D39-26EA-9D78-9E98-817B11539513}"/>
+                <a16:creationId xmlns:a16="http://schemas.microsoft.com/office/drawing/2014/main" id="{5CE84800-D54F-F905-8074-DB52B0E6217D}"/>
               </a:ext>
             </a:extLst>
           </p:cNvPr>
@@ -2661,7 +2661,7 @@
           <a:bodyPr/>
           <a:lstStyle/>
           <a:p>
-            <a:fld id="{41B5A961-90B7-4E3A-A595-9E77CB81F49C}" type="datetimeFigureOut">
+            <a:fld id="{B3B5558C-F3A0-4F34-8AFD-CC8038247407}" type="datetimeFigureOut">
               <a:rPr lang="zh-CN" altLang="en-US" smtClean="0"/>
               <a:t>2024/3/10</a:t>
             </a:fld>
@@ -2674,7 +2674,7 @@
           <p:cNvPr id="6" name="页脚占位符 5">
             <a:extLst>
               <a:ext uri="{FF2B5EF4-FFF2-40B4-BE49-F238E27FC236}">
-                <a16:creationId xmlns:a16="http://schemas.microsoft.com/office/drawing/2014/main" id="{49A9E2C0-BA4E-7622-65D5-3EA6D8F2FA98}"/>
+                <a16:creationId xmlns:a16="http://schemas.microsoft.com/office/drawing/2014/main" id="{BDA5024A-3E0A-DFED-2BB6-DCAFF73923D7}"/>
               </a:ext>
             </a:extLst>
           </p:cNvPr>
@@ -2699,7 +2699,7 @@
           <p:cNvPr id="7" name="灯片编号占位符 6">
             <a:extLst>
               <a:ext uri="{FF2B5EF4-FFF2-40B4-BE49-F238E27FC236}">
-                <a16:creationId xmlns:a16="http://schemas.microsoft.com/office/drawing/2014/main" id="{C2F96A0F-8CE2-CE80-3802-5E7F0215673C}"/>
+                <a16:creationId xmlns:a16="http://schemas.microsoft.com/office/drawing/2014/main" id="{EC660AD6-7155-9D3E-D0F7-6B7FBBD1B68A}"/>
               </a:ext>
             </a:extLst>
           </p:cNvPr>
@@ -2715,7 +2715,7 @@
           <a:bodyPr/>
           <a:lstStyle/>
           <a:p>
-            <a:fld id="{0AC92005-1782-4E82-BEB9-6F7CFED62AFB}" type="slidenum">
+            <a:fld id="{CFADE802-3762-4A16-B056-6E53B8C58B5B}" type="slidenum">
               <a:rPr lang="zh-CN" altLang="en-US" smtClean="0"/>
               <a:t>‹#›</a:t>
             </a:fld>
@@ -2726,7 +2726,7 @@
     </p:spTree>
     <p:extLst>
       <p:ext uri="{BB962C8B-B14F-4D97-AF65-F5344CB8AC3E}">
-        <p14:creationId xmlns:p14="http://schemas.microsoft.com/office/powerpoint/2010/main" val="1298360076"/>
+        <p14:creationId xmlns:p14="http://schemas.microsoft.com/office/powerpoint/2010/main" val="2993193650"/>
       </p:ext>
     </p:extLst>
   </p:cSld>
@@ -2763,7 +2763,7 @@
           <p:cNvPr id="2" name="标题占位符 1">
             <a:extLst>
               <a:ext uri="{FF2B5EF4-FFF2-40B4-BE49-F238E27FC236}">
-                <a16:creationId xmlns:a16="http://schemas.microsoft.com/office/drawing/2014/main" id="{1AE2017D-F75C-370F-1BA2-906FBB708B37}"/>
+                <a16:creationId xmlns:a16="http://schemas.microsoft.com/office/drawing/2014/main" id="{4D0EE549-5756-7AA9-C85F-ADAC1356C9D9}"/>
               </a:ext>
             </a:extLst>
           </p:cNvPr>
@@ -2801,7 +2801,7 @@
           <p:cNvPr id="3" name="文本占位符 2">
             <a:extLst>
               <a:ext uri="{FF2B5EF4-FFF2-40B4-BE49-F238E27FC236}">
-                <a16:creationId xmlns:a16="http://schemas.microsoft.com/office/drawing/2014/main" id="{7F0725BD-67A6-8E38-0582-5CCE70BDBD58}"/>
+                <a16:creationId xmlns:a16="http://schemas.microsoft.com/office/drawing/2014/main" id="{612CB7EA-0E8C-164F-4267-D31B8D0478D0}"/>
               </a:ext>
             </a:extLst>
           </p:cNvPr>
@@ -2868,7 +2868,7 @@
           <p:cNvPr id="4" name="日期占位符 3">
             <a:extLst>
               <a:ext uri="{FF2B5EF4-FFF2-40B4-BE49-F238E27FC236}">
-                <a16:creationId xmlns:a16="http://schemas.microsoft.com/office/drawing/2014/main" id="{3F249A17-3E36-33BB-AC3D-547C05F167DA}"/>
+                <a16:creationId xmlns:a16="http://schemas.microsoft.com/office/drawing/2014/main" id="{E3C901A3-AEC4-074E-962D-B19F3A03600F}"/>
               </a:ext>
             </a:extLst>
           </p:cNvPr>
@@ -2902,7 +2902,7 @@
             </a:lvl1pPr>
           </a:lstStyle>
           <a:p>
-            <a:fld id="{41B5A961-90B7-4E3A-A595-9E77CB81F49C}" type="datetimeFigureOut">
+            <a:fld id="{B3B5558C-F3A0-4F34-8AFD-CC8038247407}" type="datetimeFigureOut">
               <a:rPr lang="zh-CN" altLang="en-US" smtClean="0"/>
               <a:t>2024/3/10</a:t>
             </a:fld>
@@ -2915,7 +2915,7 @@
           <p:cNvPr id="5" name="页脚占位符 4">
             <a:extLst>
               <a:ext uri="{FF2B5EF4-FFF2-40B4-BE49-F238E27FC236}">
-                <a16:creationId xmlns:a16="http://schemas.microsoft.com/office/drawing/2014/main" id="{15EDE1D3-BC63-516C-23EC-A76A10F0CB13}"/>
+                <a16:creationId xmlns:a16="http://schemas.microsoft.com/office/drawing/2014/main" id="{C63401C8-8B31-2920-3F98-53D0B39BB576}"/>
               </a:ext>
             </a:extLst>
           </p:cNvPr>
@@ -2958,7 +2958,7 @@
           <p:cNvPr id="6" name="灯片编号占位符 5">
             <a:extLst>
               <a:ext uri="{FF2B5EF4-FFF2-40B4-BE49-F238E27FC236}">
-                <a16:creationId xmlns:a16="http://schemas.microsoft.com/office/drawing/2014/main" id="{F42BE4D4-0C08-60A9-0173-D9B127672876}"/>
+                <a16:creationId xmlns:a16="http://schemas.microsoft.com/office/drawing/2014/main" id="{5A590457-2BF4-AA38-386A-D255A6084D6E}"/>
               </a:ext>
             </a:extLst>
           </p:cNvPr>
@@ -2992,7 +2992,7 @@
             </a:lvl1pPr>
           </a:lstStyle>
           <a:p>
-            <a:fld id="{0AC92005-1782-4E82-BEB9-6F7CFED62AFB}" type="slidenum">
+            <a:fld id="{CFADE802-3762-4A16-B056-6E53B8C58B5B}" type="slidenum">
               <a:rPr lang="zh-CN" altLang="en-US" smtClean="0"/>
               <a:t>‹#›</a:t>
             </a:fld>
@@ -3003,7 +3003,7 @@
     </p:spTree>
     <p:extLst>
       <p:ext uri="{BB962C8B-B14F-4D97-AF65-F5344CB8AC3E}">
-        <p14:creationId xmlns:p14="http://schemas.microsoft.com/office/powerpoint/2010/main" val="797145347"/>
+        <p14:creationId xmlns:p14="http://schemas.microsoft.com/office/powerpoint/2010/main" val="3912380042"/>
       </p:ext>
     </p:extLst>
   </p:cSld>
@@ -3323,7 +3323,7 @@
       </p:grpSpPr>
       <p:pic>
         <p:nvPicPr>
-          <p:cNvPr id="1105922" name="Picture 2" descr="1079"/>
+          <p:cNvPr id="1106946" name="Picture 2" descr="1080"/>
           <p:cNvPicPr>
             <a:picLocks noChangeAspect="1" noChangeArrowheads="1"/>
           </p:cNvPicPr>
@@ -3344,8 +3344,8 @@
         </p:blipFill>
         <p:spPr bwMode="auto">
           <a:xfrm>
-            <a:off x="1524001" y="0"/>
-            <a:ext cx="9053513" cy="6789738"/>
+            <a:off x="1524000" y="1"/>
+            <a:ext cx="9144000" cy="6308725"/>
           </a:xfrm>
           <a:prstGeom prst="rect">
             <a:avLst/>
